--- a/ppt/第3章　Jupyter Notebook基础操作.pptx
+++ b/ppt/第3章　Jupyter Notebook基础操作.pptx
@@ -218,7 +218,7 @@
           <a:p>
             <a:fld id="{11E263B4-AE17-4D25-AB44-4A86CEB2FD03}" type="datetimeFigureOut">
               <a:rPr lang="zh-CN" altLang="en-US" smtClean="0"/>
-              <a:t>2021/5/5</a:t>
+              <a:t>2021/6/9</a:t>
             </a:fld>
             <a:endParaRPr lang="zh-CN" altLang="en-US"/>
           </a:p>
@@ -1598,7 +1598,7 @@
             </a:pPr>
             <a:fld id="{967F5653-76E0-42F8-92E1-1302A644EA98}" type="datetimeFigureOut">
               <a:rPr lang="zh-CN" altLang="en-US" smtClean="0"/>
-              <a:t>2021/5/5</a:t>
+              <a:t>2021/6/9</a:t>
             </a:fld>
             <a:endParaRPr lang="zh-CN" altLang="en-US"/>
           </a:p>
@@ -1777,7 +1777,7 @@
             </a:pPr>
             <a:fld id="{7E97CAC6-3487-4B84-A527-4B0978F38CB7}" type="datetimeFigureOut">
               <a:rPr lang="zh-CN" altLang="en-US" smtClean="0"/>
-              <a:t>2021/5/5</a:t>
+              <a:t>2021/6/9</a:t>
             </a:fld>
             <a:endParaRPr lang="zh-CN" altLang="en-US"/>
           </a:p>
@@ -1966,7 +1966,7 @@
             </a:pPr>
             <a:fld id="{DC2173D4-66F5-42F3-8EDD-E9FCBD78934D}" type="datetimeFigureOut">
               <a:rPr lang="zh-CN" altLang="en-US" smtClean="0"/>
-              <a:t>2021/5/5</a:t>
+              <a:t>2021/6/9</a:t>
             </a:fld>
             <a:endParaRPr lang="zh-CN" altLang="en-US"/>
           </a:p>
@@ -2694,7 +2694,7 @@
             </a:pPr>
             <a:fld id="{4854B13A-C25E-4BD4-A182-EF99CDEA6C38}" type="datetimeFigureOut">
               <a:rPr lang="zh-CN" altLang="en-US" smtClean="0"/>
-              <a:t>2021/5/5</a:t>
+              <a:t>2021/6/9</a:t>
             </a:fld>
             <a:endParaRPr lang="zh-CN" altLang="en-US"/>
           </a:p>
@@ -2949,7 +2949,7 @@
             </a:pPr>
             <a:fld id="{6F874B35-2CB5-478A-93D6-6F5A758111CC}" type="datetimeFigureOut">
               <a:rPr lang="zh-CN" altLang="en-US" smtClean="0"/>
-              <a:t>2021/5/5</a:t>
+              <a:t>2021/6/9</a:t>
             </a:fld>
             <a:endParaRPr lang="zh-CN" altLang="en-US"/>
           </a:p>
@@ -3190,7 +3190,7 @@
             </a:pPr>
             <a:fld id="{7765F18A-B9DB-4EC7-B8DD-93BAD9A9D6F4}" type="datetimeFigureOut">
               <a:rPr lang="zh-CN" altLang="en-US" smtClean="0"/>
-              <a:t>2021/5/5</a:t>
+              <a:t>2021/6/9</a:t>
             </a:fld>
             <a:endParaRPr lang="zh-CN" altLang="en-US"/>
           </a:p>
@@ -3566,7 +3566,7 @@
             </a:pPr>
             <a:fld id="{BDDAE942-DEDF-46C5-8F0D-85A73406F10B}" type="datetimeFigureOut">
               <a:rPr lang="zh-CN" altLang="en-US" smtClean="0"/>
-              <a:t>2021/5/5</a:t>
+              <a:t>2021/6/9</a:t>
             </a:fld>
             <a:endParaRPr lang="zh-CN" altLang="en-US"/>
           </a:p>
@@ -3693,7 +3693,7 @@
             </a:pPr>
             <a:fld id="{700EFE5F-2A43-4D9F-9B11-909316E3C1C9}" type="datetimeFigureOut">
               <a:rPr lang="zh-CN" altLang="en-US" smtClean="0"/>
-              <a:t>2021/5/5</a:t>
+              <a:t>2021/6/9</a:t>
             </a:fld>
             <a:endParaRPr lang="zh-CN" altLang="en-US"/>
           </a:p>
@@ -3797,7 +3797,7 @@
             </a:pPr>
             <a:fld id="{76D8482B-9714-4ADC-BDF6-AB1BEB5DA2D8}" type="datetimeFigureOut">
               <a:rPr lang="zh-CN" altLang="en-US" smtClean="0"/>
-              <a:t>2021/5/5</a:t>
+              <a:t>2021/6/9</a:t>
             </a:fld>
             <a:endParaRPr lang="zh-CN" altLang="en-US"/>
           </a:p>
@@ -4083,7 +4083,7 @@
             </a:pPr>
             <a:fld id="{8C921D7F-B211-4655-91B5-D6DC942F7F91}" type="datetimeFigureOut">
               <a:rPr lang="zh-CN" altLang="en-US" smtClean="0"/>
-              <a:t>2021/5/5</a:t>
+              <a:t>2021/6/9</a:t>
             </a:fld>
             <a:endParaRPr lang="zh-CN" altLang="en-US"/>
           </a:p>
@@ -4349,7 +4349,7 @@
             </a:pPr>
             <a:fld id="{8C7D0A83-28AD-47D5-961B-D3CDE6CF1ABC}" type="datetimeFigureOut">
               <a:rPr lang="zh-CN" altLang="en-US" smtClean="0"/>
-              <a:t>2021/5/5</a:t>
+              <a:t>2021/6/9</a:t>
             </a:fld>
             <a:endParaRPr lang="zh-CN" altLang="en-US"/>
           </a:p>
@@ -4571,7 +4571,7 @@
             </a:pPr>
             <a:fld id="{C5DA89F0-6659-4D88-AC57-367E293871F8}" type="datetimeFigureOut">
               <a:rPr lang="zh-CN" altLang="en-US" smtClean="0"/>
-              <a:t>2021/5/5</a:t>
+              <a:t>2021/6/9</a:t>
             </a:fld>
             <a:endParaRPr lang="zh-CN" altLang="en-US"/>
           </a:p>
